--- a/alex/UD2/UD2.3 Fundamentos de Kotlin.pptx
+++ b/alex/UD2/UD2.3 Fundamentos de Kotlin.pptx
@@ -237,7 +237,7 @@
           <a:p>
             <a:fld id="{82E89499-4C5B-4DDE-969A-9333FF39DBC5}" type="datetimeFigureOut">
               <a:rPr lang="es-ES" smtClean="0"/>
-              <a:t>13/08/2023</a:t>
+              <a:t>17/09/2023</a:t>
             </a:fld>
             <a:endParaRPr lang="es-ES"/>
           </a:p>
@@ -750,7 +750,7 @@
             <a:fld id="{B61BEF0D-F0BB-DE4B-95CE-6DB70DBA9567}" type="datetimeFigureOut">
               <a:rPr lang="en-US" dirty="0"/>
               <a:pPr/>
-              <a:t>8/13/2023</a:t>
+              <a:t>9/17/2023</a:t>
             </a:fld>
             <a:endParaRPr lang="en-US" dirty="0"/>
           </a:p>
@@ -1009,7 +1009,7 @@
             <a:fld id="{B61BEF0D-F0BB-DE4B-95CE-6DB70DBA9567}" type="datetimeFigureOut">
               <a:rPr lang="en-US" dirty="0"/>
               <a:pPr/>
-              <a:t>8/13/2023</a:t>
+              <a:t>9/17/2023</a:t>
             </a:fld>
             <a:endParaRPr lang="en-US" dirty="0"/>
           </a:p>
@@ -1241,7 +1241,7 @@
             <a:fld id="{B61BEF0D-F0BB-DE4B-95CE-6DB70DBA9567}" type="datetimeFigureOut">
               <a:rPr lang="en-US" dirty="0"/>
               <a:pPr/>
-              <a:t>8/13/2023</a:t>
+              <a:t>9/17/2023</a:t>
             </a:fld>
             <a:endParaRPr lang="en-US" dirty="0"/>
           </a:p>
@@ -1478,7 +1478,7 @@
             <a:fld id="{B61BEF0D-F0BB-DE4B-95CE-6DB70DBA9567}" type="datetimeFigureOut">
               <a:rPr lang="en-US" dirty="0"/>
               <a:pPr/>
-              <a:t>8/13/2023</a:t>
+              <a:t>9/17/2023</a:t>
             </a:fld>
             <a:endParaRPr lang="en-US" dirty="0"/>
           </a:p>
@@ -1782,7 +1782,7 @@
             <a:fld id="{B61BEF0D-F0BB-DE4B-95CE-6DB70DBA9567}" type="datetimeFigureOut">
               <a:rPr lang="en-US" dirty="0"/>
               <a:pPr/>
-              <a:t>8/13/2023</a:t>
+              <a:t>9/17/2023</a:t>
             </a:fld>
             <a:endParaRPr lang="en-US" dirty="0"/>
           </a:p>
@@ -2081,7 +2081,7 @@
             <a:fld id="{B61BEF0D-F0BB-DE4B-95CE-6DB70DBA9567}" type="datetimeFigureOut">
               <a:rPr lang="en-US" dirty="0"/>
               <a:pPr/>
-              <a:t>8/13/2023</a:t>
+              <a:t>9/17/2023</a:t>
             </a:fld>
             <a:endParaRPr lang="en-US" dirty="0"/>
           </a:p>
@@ -2500,7 +2500,7 @@
             <a:fld id="{B61BEF0D-F0BB-DE4B-95CE-6DB70DBA9567}" type="datetimeFigureOut">
               <a:rPr lang="en-US" dirty="0"/>
               <a:pPr/>
-              <a:t>8/13/2023</a:t>
+              <a:t>9/17/2023</a:t>
             </a:fld>
             <a:endParaRPr lang="en-US" dirty="0"/>
           </a:p>
@@ -2592,7 +2592,7 @@
             <a:fld id="{B61BEF0D-F0BB-DE4B-95CE-6DB70DBA9567}" type="datetimeFigureOut">
               <a:rPr lang="en-US" dirty="0"/>
               <a:pPr/>
-              <a:t>8/13/2023</a:t>
+              <a:t>9/17/2023</a:t>
             </a:fld>
             <a:endParaRPr lang="en-US" dirty="0"/>
           </a:p>
@@ -2751,7 +2751,7 @@
             <a:fld id="{B61BEF0D-F0BB-DE4B-95CE-6DB70DBA9567}" type="datetimeFigureOut">
               <a:rPr lang="en-US" dirty="0"/>
               <a:pPr/>
-              <a:t>8/13/2023</a:t>
+              <a:t>9/17/2023</a:t>
             </a:fld>
             <a:endParaRPr lang="en-US" dirty="0"/>
           </a:p>
@@ -3126,7 +3126,7 @@
             <a:fld id="{B61BEF0D-F0BB-DE4B-95CE-6DB70DBA9567}" type="datetimeFigureOut">
               <a:rPr lang="en-US" dirty="0"/>
               <a:pPr/>
-              <a:t>8/13/2023</a:t>
+              <a:t>9/17/2023</a:t>
             </a:fld>
             <a:endParaRPr lang="en-US" dirty="0"/>
           </a:p>
@@ -3412,7 +3412,7 @@
             <a:fld id="{B61BEF0D-F0BB-DE4B-95CE-6DB70DBA9567}" type="datetimeFigureOut">
               <a:rPr lang="en-US" dirty="0"/>
               <a:pPr/>
-              <a:t>8/13/2023</a:t>
+              <a:t>9/17/2023</a:t>
             </a:fld>
             <a:endParaRPr lang="en-US" dirty="0"/>
           </a:p>
@@ -3620,7 +3620,7 @@
             <a:fld id="{B61BEF0D-F0BB-DE4B-95CE-6DB70DBA9567}" type="datetimeFigureOut">
               <a:rPr lang="en-US" dirty="0"/>
               <a:pPr/>
-              <a:t>8/13/2023</a:t>
+              <a:t>9/17/2023</a:t>
             </a:fld>
             <a:endParaRPr lang="en-US" dirty="0"/>
           </a:p>
@@ -7988,7 +7988,7 @@
         </p:blipFill>
         <p:spPr>
           <a:xfrm>
-            <a:off x="8224826" y="1414635"/>
+            <a:off x="3431704" y="4706651"/>
             <a:ext cx="3448531" cy="1314633"/>
           </a:xfrm>
           <a:prstGeom prst="rect">
@@ -8024,7 +8024,7 @@
         </p:blipFill>
         <p:spPr>
           <a:xfrm>
-            <a:off x="2297952" y="4869160"/>
+            <a:off x="7710404" y="4797152"/>
             <a:ext cx="3962953" cy="1133633"/>
           </a:xfrm>
           <a:prstGeom prst="rect">
